--- a/Offline/TeacherRecruitment/FaceBookAdForTeacherRecruitments/BFTeacherRecruitmentAds.pptx
+++ b/Offline/TeacherRecruitment/FaceBookAdForTeacherRecruitments/BFTeacherRecruitmentAds.pptx
@@ -104,6 +104,11 @@
       </a:defRPr>
     </a:lvl9pPr>
   </p:defaultTextStyle>
+  <p:extLst>
+    <p:ext uri="{EFAFB233-063F-42B5-8137-9DF3F51BA10A}">
+      <p15:sldGuideLst xmlns:p15="http://schemas.microsoft.com/office/powerpoint/2012/main"/>
+    </p:ext>
+  </p:extLst>
 </p:presentation>
 </file>
 
@@ -238,7 +243,7 @@
           <a:p>
             <a:fld id="{97D4CEB5-D715-49F4-8146-54BD8651C3AA}" type="datetimeFigureOut">
               <a:rPr lang="en-AU" smtClean="0"/>
-              <a:t>23/05/2023</a:t>
+              <a:t>5/07/2023</a:t>
             </a:fld>
             <a:endParaRPr lang="en-AU"/>
           </a:p>
@@ -408,7 +413,7 @@
           <a:p>
             <a:fld id="{97D4CEB5-D715-49F4-8146-54BD8651C3AA}" type="datetimeFigureOut">
               <a:rPr lang="en-AU" smtClean="0"/>
-              <a:t>23/05/2023</a:t>
+              <a:t>5/07/2023</a:t>
             </a:fld>
             <a:endParaRPr lang="en-AU"/>
           </a:p>
@@ -588,7 +593,7 @@
           <a:p>
             <a:fld id="{97D4CEB5-D715-49F4-8146-54BD8651C3AA}" type="datetimeFigureOut">
               <a:rPr lang="en-AU" smtClean="0"/>
-              <a:t>23/05/2023</a:t>
+              <a:t>5/07/2023</a:t>
             </a:fld>
             <a:endParaRPr lang="en-AU"/>
           </a:p>
@@ -758,7 +763,7 @@
           <a:p>
             <a:fld id="{97D4CEB5-D715-49F4-8146-54BD8651C3AA}" type="datetimeFigureOut">
               <a:rPr lang="en-AU" smtClean="0"/>
-              <a:t>23/05/2023</a:t>
+              <a:t>5/07/2023</a:t>
             </a:fld>
             <a:endParaRPr lang="en-AU"/>
           </a:p>
@@ -1002,7 +1007,7 @@
           <a:p>
             <a:fld id="{97D4CEB5-D715-49F4-8146-54BD8651C3AA}" type="datetimeFigureOut">
               <a:rPr lang="en-AU" smtClean="0"/>
-              <a:t>23/05/2023</a:t>
+              <a:t>5/07/2023</a:t>
             </a:fld>
             <a:endParaRPr lang="en-AU"/>
           </a:p>
@@ -1234,7 +1239,7 @@
           <a:p>
             <a:fld id="{97D4CEB5-D715-49F4-8146-54BD8651C3AA}" type="datetimeFigureOut">
               <a:rPr lang="en-AU" smtClean="0"/>
-              <a:t>23/05/2023</a:t>
+              <a:t>5/07/2023</a:t>
             </a:fld>
             <a:endParaRPr lang="en-AU"/>
           </a:p>
@@ -1601,7 +1606,7 @@
           <a:p>
             <a:fld id="{97D4CEB5-D715-49F4-8146-54BD8651C3AA}" type="datetimeFigureOut">
               <a:rPr lang="en-AU" smtClean="0"/>
-              <a:t>23/05/2023</a:t>
+              <a:t>5/07/2023</a:t>
             </a:fld>
             <a:endParaRPr lang="en-AU"/>
           </a:p>
@@ -1719,7 +1724,7 @@
           <a:p>
             <a:fld id="{97D4CEB5-D715-49F4-8146-54BD8651C3AA}" type="datetimeFigureOut">
               <a:rPr lang="en-AU" smtClean="0"/>
-              <a:t>23/05/2023</a:t>
+              <a:t>5/07/2023</a:t>
             </a:fld>
             <a:endParaRPr lang="en-AU"/>
           </a:p>
@@ -1814,7 +1819,7 @@
           <a:p>
             <a:fld id="{97D4CEB5-D715-49F4-8146-54BD8651C3AA}" type="datetimeFigureOut">
               <a:rPr lang="en-AU" smtClean="0"/>
-              <a:t>23/05/2023</a:t>
+              <a:t>5/07/2023</a:t>
             </a:fld>
             <a:endParaRPr lang="en-AU"/>
           </a:p>
@@ -2091,7 +2096,7 @@
           <a:p>
             <a:fld id="{97D4CEB5-D715-49F4-8146-54BD8651C3AA}" type="datetimeFigureOut">
               <a:rPr lang="en-AU" smtClean="0"/>
-              <a:t>23/05/2023</a:t>
+              <a:t>5/07/2023</a:t>
             </a:fld>
             <a:endParaRPr lang="en-AU"/>
           </a:p>
@@ -2348,7 +2353,7 @@
           <a:p>
             <a:fld id="{97D4CEB5-D715-49F4-8146-54BD8651C3AA}" type="datetimeFigureOut">
               <a:rPr lang="en-AU" smtClean="0"/>
-              <a:t>23/05/2023</a:t>
+              <a:t>5/07/2023</a:t>
             </a:fld>
             <a:endParaRPr lang="en-AU"/>
           </a:p>
@@ -2561,7 +2566,7 @@
           <a:p>
             <a:fld id="{97D4CEB5-D715-49F4-8146-54BD8651C3AA}" type="datetimeFigureOut">
               <a:rPr lang="en-AU" smtClean="0"/>
-              <a:t>23/05/2023</a:t>
+              <a:t>5/07/2023</a:t>
             </a:fld>
             <a:endParaRPr lang="en-AU"/>
           </a:p>

--- a/Offline/TeacherRecruitment/FaceBookAdForTeacherRecruitments/BFTeacherRecruitmentAds.pptx
+++ b/Offline/TeacherRecruitment/FaceBookAdForTeacherRecruitments/BFTeacherRecruitmentAds.pptx
@@ -154,7 +154,7 @@
           </a:lstStyle>
           <a:p>
             <a:r>
-              <a:rPr lang="en-US" smtClean="0"/>
+              <a:rPr lang="en-US"/>
               <a:t>Click to edit Master title style</a:t>
             </a:r>
             <a:endParaRPr lang="en-US" dirty="0"/>
@@ -219,7 +219,7 @@
           </a:lstStyle>
           <a:p>
             <a:r>
-              <a:rPr lang="en-US" smtClean="0"/>
+              <a:rPr lang="en-US"/>
               <a:t>Click to edit Master subtitle style</a:t>
             </a:r>
             <a:endParaRPr lang="en-US" dirty="0"/>
@@ -243,7 +243,7 @@
           <a:p>
             <a:fld id="{97D4CEB5-D715-49F4-8146-54BD8651C3AA}" type="datetimeFigureOut">
               <a:rPr lang="en-AU" smtClean="0"/>
-              <a:t>5/07/2023</a:t>
+              <a:t>26/07/2023</a:t>
             </a:fld>
             <a:endParaRPr lang="en-AU"/>
           </a:p>
@@ -337,7 +337,7 @@
           <a:lstStyle/>
           <a:p>
             <a:r>
-              <a:rPr lang="en-US" smtClean="0"/>
+              <a:rPr lang="en-US"/>
               <a:t>Click to edit Master title style</a:t>
             </a:r>
             <a:endParaRPr lang="en-US" dirty="0"/>
@@ -361,35 +361,35 @@
           <a:p>
             <a:pPr lvl="0"/>
             <a:r>
-              <a:rPr lang="en-US" smtClean="0"/>
+              <a:rPr lang="en-US"/>
               <a:t>Click to edit Master text styles</a:t>
             </a:r>
           </a:p>
           <a:p>
             <a:pPr lvl="1"/>
             <a:r>
-              <a:rPr lang="en-US" smtClean="0"/>
+              <a:rPr lang="en-US"/>
               <a:t>Second level</a:t>
             </a:r>
           </a:p>
           <a:p>
             <a:pPr lvl="2"/>
             <a:r>
-              <a:rPr lang="en-US" smtClean="0"/>
+              <a:rPr lang="en-US"/>
               <a:t>Third level</a:t>
             </a:r>
           </a:p>
           <a:p>
             <a:pPr lvl="3"/>
             <a:r>
-              <a:rPr lang="en-US" smtClean="0"/>
+              <a:rPr lang="en-US"/>
               <a:t>Fourth level</a:t>
             </a:r>
           </a:p>
           <a:p>
             <a:pPr lvl="4"/>
             <a:r>
-              <a:rPr lang="en-US" smtClean="0"/>
+              <a:rPr lang="en-US"/>
               <a:t>Fifth level</a:t>
             </a:r>
             <a:endParaRPr lang="en-US" dirty="0"/>
@@ -413,7 +413,7 @@
           <a:p>
             <a:fld id="{97D4CEB5-D715-49F4-8146-54BD8651C3AA}" type="datetimeFigureOut">
               <a:rPr lang="en-AU" smtClean="0"/>
-              <a:t>5/07/2023</a:t>
+              <a:t>26/07/2023</a:t>
             </a:fld>
             <a:endParaRPr lang="en-AU"/>
           </a:p>
@@ -512,7 +512,7 @@
           <a:lstStyle/>
           <a:p>
             <a:r>
-              <a:rPr lang="en-US" smtClean="0"/>
+              <a:rPr lang="en-US"/>
               <a:t>Click to edit Master title style</a:t>
             </a:r>
             <a:endParaRPr lang="en-US" dirty="0"/>
@@ -541,35 +541,35 @@
           <a:p>
             <a:pPr lvl="0"/>
             <a:r>
-              <a:rPr lang="en-US" smtClean="0"/>
+              <a:rPr lang="en-US"/>
               <a:t>Click to edit Master text styles</a:t>
             </a:r>
           </a:p>
           <a:p>
             <a:pPr lvl="1"/>
             <a:r>
-              <a:rPr lang="en-US" smtClean="0"/>
+              <a:rPr lang="en-US"/>
               <a:t>Second level</a:t>
             </a:r>
           </a:p>
           <a:p>
             <a:pPr lvl="2"/>
             <a:r>
-              <a:rPr lang="en-US" smtClean="0"/>
+              <a:rPr lang="en-US"/>
               <a:t>Third level</a:t>
             </a:r>
           </a:p>
           <a:p>
             <a:pPr lvl="3"/>
             <a:r>
-              <a:rPr lang="en-US" smtClean="0"/>
+              <a:rPr lang="en-US"/>
               <a:t>Fourth level</a:t>
             </a:r>
           </a:p>
           <a:p>
             <a:pPr lvl="4"/>
             <a:r>
-              <a:rPr lang="en-US" smtClean="0"/>
+              <a:rPr lang="en-US"/>
               <a:t>Fifth level</a:t>
             </a:r>
             <a:endParaRPr lang="en-US" dirty="0"/>
@@ -593,7 +593,7 @@
           <a:p>
             <a:fld id="{97D4CEB5-D715-49F4-8146-54BD8651C3AA}" type="datetimeFigureOut">
               <a:rPr lang="en-AU" smtClean="0"/>
-              <a:t>5/07/2023</a:t>
+              <a:t>26/07/2023</a:t>
             </a:fld>
             <a:endParaRPr lang="en-AU"/>
           </a:p>
@@ -687,7 +687,7 @@
           <a:lstStyle/>
           <a:p>
             <a:r>
-              <a:rPr lang="en-US" smtClean="0"/>
+              <a:rPr lang="en-US"/>
               <a:t>Click to edit Master title style</a:t>
             </a:r>
             <a:endParaRPr lang="en-US" dirty="0"/>
@@ -711,35 +711,35 @@
           <a:p>
             <a:pPr lvl="0"/>
             <a:r>
-              <a:rPr lang="en-US" smtClean="0"/>
+              <a:rPr lang="en-US"/>
               <a:t>Click to edit Master text styles</a:t>
             </a:r>
           </a:p>
           <a:p>
             <a:pPr lvl="1"/>
             <a:r>
-              <a:rPr lang="en-US" smtClean="0"/>
+              <a:rPr lang="en-US"/>
               <a:t>Second level</a:t>
             </a:r>
           </a:p>
           <a:p>
             <a:pPr lvl="2"/>
             <a:r>
-              <a:rPr lang="en-US" smtClean="0"/>
+              <a:rPr lang="en-US"/>
               <a:t>Third level</a:t>
             </a:r>
           </a:p>
           <a:p>
             <a:pPr lvl="3"/>
             <a:r>
-              <a:rPr lang="en-US" smtClean="0"/>
+              <a:rPr lang="en-US"/>
               <a:t>Fourth level</a:t>
             </a:r>
           </a:p>
           <a:p>
             <a:pPr lvl="4"/>
             <a:r>
-              <a:rPr lang="en-US" smtClean="0"/>
+              <a:rPr lang="en-US"/>
               <a:t>Fifth level</a:t>
             </a:r>
             <a:endParaRPr lang="en-US" dirty="0"/>
@@ -763,7 +763,7 @@
           <a:p>
             <a:fld id="{97D4CEB5-D715-49F4-8146-54BD8651C3AA}" type="datetimeFigureOut">
               <a:rPr lang="en-AU" smtClean="0"/>
-              <a:t>5/07/2023</a:t>
+              <a:t>26/07/2023</a:t>
             </a:fld>
             <a:endParaRPr lang="en-AU"/>
           </a:p>
@@ -866,7 +866,7 @@
           </a:lstStyle>
           <a:p>
             <a:r>
-              <a:rPr lang="en-US" smtClean="0"/>
+              <a:rPr lang="en-US"/>
               <a:t>Click to edit Master title style</a:t>
             </a:r>
             <a:endParaRPr lang="en-US" dirty="0"/>
@@ -984,7 +984,7 @@
           <a:p>
             <a:pPr lvl="0"/>
             <a:r>
-              <a:rPr lang="en-US" smtClean="0"/>
+              <a:rPr lang="en-US"/>
               <a:t>Click to edit Master text styles</a:t>
             </a:r>
           </a:p>
@@ -1007,7 +1007,7 @@
           <a:p>
             <a:fld id="{97D4CEB5-D715-49F4-8146-54BD8651C3AA}" type="datetimeFigureOut">
               <a:rPr lang="en-AU" smtClean="0"/>
-              <a:t>5/07/2023</a:t>
+              <a:t>26/07/2023</a:t>
             </a:fld>
             <a:endParaRPr lang="en-AU"/>
           </a:p>
@@ -1101,7 +1101,7 @@
           <a:lstStyle/>
           <a:p>
             <a:r>
-              <a:rPr lang="en-US" smtClean="0"/>
+              <a:rPr lang="en-US"/>
               <a:t>Click to edit Master title style</a:t>
             </a:r>
             <a:endParaRPr lang="en-US" dirty="0"/>
@@ -1130,35 +1130,35 @@
           <a:p>
             <a:pPr lvl="0"/>
             <a:r>
-              <a:rPr lang="en-US" smtClean="0"/>
+              <a:rPr lang="en-US"/>
               <a:t>Click to edit Master text styles</a:t>
             </a:r>
           </a:p>
           <a:p>
             <a:pPr lvl="1"/>
             <a:r>
-              <a:rPr lang="en-US" smtClean="0"/>
+              <a:rPr lang="en-US"/>
               <a:t>Second level</a:t>
             </a:r>
           </a:p>
           <a:p>
             <a:pPr lvl="2"/>
             <a:r>
-              <a:rPr lang="en-US" smtClean="0"/>
+              <a:rPr lang="en-US"/>
               <a:t>Third level</a:t>
             </a:r>
           </a:p>
           <a:p>
             <a:pPr lvl="3"/>
             <a:r>
-              <a:rPr lang="en-US" smtClean="0"/>
+              <a:rPr lang="en-US"/>
               <a:t>Fourth level</a:t>
             </a:r>
           </a:p>
           <a:p>
             <a:pPr lvl="4"/>
             <a:r>
-              <a:rPr lang="en-US" smtClean="0"/>
+              <a:rPr lang="en-US"/>
               <a:t>Fifth level</a:t>
             </a:r>
             <a:endParaRPr lang="en-US" dirty="0"/>
@@ -1187,35 +1187,35 @@
           <a:p>
             <a:pPr lvl="0"/>
             <a:r>
-              <a:rPr lang="en-US" smtClean="0"/>
+              <a:rPr lang="en-US"/>
               <a:t>Click to edit Master text styles</a:t>
             </a:r>
           </a:p>
           <a:p>
             <a:pPr lvl="1"/>
             <a:r>
-              <a:rPr lang="en-US" smtClean="0"/>
+              <a:rPr lang="en-US"/>
               <a:t>Second level</a:t>
             </a:r>
           </a:p>
           <a:p>
             <a:pPr lvl="2"/>
             <a:r>
-              <a:rPr lang="en-US" smtClean="0"/>
+              <a:rPr lang="en-US"/>
               <a:t>Third level</a:t>
             </a:r>
           </a:p>
           <a:p>
             <a:pPr lvl="3"/>
             <a:r>
-              <a:rPr lang="en-US" smtClean="0"/>
+              <a:rPr lang="en-US"/>
               <a:t>Fourth level</a:t>
             </a:r>
           </a:p>
           <a:p>
             <a:pPr lvl="4"/>
             <a:r>
-              <a:rPr lang="en-US" smtClean="0"/>
+              <a:rPr lang="en-US"/>
               <a:t>Fifth level</a:t>
             </a:r>
             <a:endParaRPr lang="en-US" dirty="0"/>
@@ -1239,7 +1239,7 @@
           <a:p>
             <a:fld id="{97D4CEB5-D715-49F4-8146-54BD8651C3AA}" type="datetimeFigureOut">
               <a:rPr lang="en-AU" smtClean="0"/>
-              <a:t>5/07/2023</a:t>
+              <a:t>26/07/2023</a:t>
             </a:fld>
             <a:endParaRPr lang="en-AU"/>
           </a:p>
@@ -1338,7 +1338,7 @@
           <a:lstStyle/>
           <a:p>
             <a:r>
-              <a:rPr lang="en-US" smtClean="0"/>
+              <a:rPr lang="en-US"/>
               <a:t>Click to edit Master title style</a:t>
             </a:r>
             <a:endParaRPr lang="en-US" dirty="0"/>
@@ -1404,7 +1404,7 @@
           <a:p>
             <a:pPr lvl="0"/>
             <a:r>
-              <a:rPr lang="en-US" smtClean="0"/>
+              <a:rPr lang="en-US"/>
               <a:t>Click to edit Master text styles</a:t>
             </a:r>
           </a:p>
@@ -1432,35 +1432,35 @@
           <a:p>
             <a:pPr lvl="0"/>
             <a:r>
-              <a:rPr lang="en-US" smtClean="0"/>
+              <a:rPr lang="en-US"/>
               <a:t>Click to edit Master text styles</a:t>
             </a:r>
           </a:p>
           <a:p>
             <a:pPr lvl="1"/>
             <a:r>
-              <a:rPr lang="en-US" smtClean="0"/>
+              <a:rPr lang="en-US"/>
               <a:t>Second level</a:t>
             </a:r>
           </a:p>
           <a:p>
             <a:pPr lvl="2"/>
             <a:r>
-              <a:rPr lang="en-US" smtClean="0"/>
+              <a:rPr lang="en-US"/>
               <a:t>Third level</a:t>
             </a:r>
           </a:p>
           <a:p>
             <a:pPr lvl="3"/>
             <a:r>
-              <a:rPr lang="en-US" smtClean="0"/>
+              <a:rPr lang="en-US"/>
               <a:t>Fourth level</a:t>
             </a:r>
           </a:p>
           <a:p>
             <a:pPr lvl="4"/>
             <a:r>
-              <a:rPr lang="en-US" smtClean="0"/>
+              <a:rPr lang="en-US"/>
               <a:t>Fifth level</a:t>
             </a:r>
             <a:endParaRPr lang="en-US" dirty="0"/>
@@ -1526,7 +1526,7 @@
           <a:p>
             <a:pPr lvl="0"/>
             <a:r>
-              <a:rPr lang="en-US" smtClean="0"/>
+              <a:rPr lang="en-US"/>
               <a:t>Click to edit Master text styles</a:t>
             </a:r>
           </a:p>
@@ -1554,35 +1554,35 @@
           <a:p>
             <a:pPr lvl="0"/>
             <a:r>
-              <a:rPr lang="en-US" smtClean="0"/>
+              <a:rPr lang="en-US"/>
               <a:t>Click to edit Master text styles</a:t>
             </a:r>
           </a:p>
           <a:p>
             <a:pPr lvl="1"/>
             <a:r>
-              <a:rPr lang="en-US" smtClean="0"/>
+              <a:rPr lang="en-US"/>
               <a:t>Second level</a:t>
             </a:r>
           </a:p>
           <a:p>
             <a:pPr lvl="2"/>
             <a:r>
-              <a:rPr lang="en-US" smtClean="0"/>
+              <a:rPr lang="en-US"/>
               <a:t>Third level</a:t>
             </a:r>
           </a:p>
           <a:p>
             <a:pPr lvl="3"/>
             <a:r>
-              <a:rPr lang="en-US" smtClean="0"/>
+              <a:rPr lang="en-US"/>
               <a:t>Fourth level</a:t>
             </a:r>
           </a:p>
           <a:p>
             <a:pPr lvl="4"/>
             <a:r>
-              <a:rPr lang="en-US" smtClean="0"/>
+              <a:rPr lang="en-US"/>
               <a:t>Fifth level</a:t>
             </a:r>
             <a:endParaRPr lang="en-US" dirty="0"/>
@@ -1606,7 +1606,7 @@
           <a:p>
             <a:fld id="{97D4CEB5-D715-49F4-8146-54BD8651C3AA}" type="datetimeFigureOut">
               <a:rPr lang="en-AU" smtClean="0"/>
-              <a:t>5/07/2023</a:t>
+              <a:t>26/07/2023</a:t>
             </a:fld>
             <a:endParaRPr lang="en-AU"/>
           </a:p>
@@ -1700,7 +1700,7 @@
           <a:lstStyle/>
           <a:p>
             <a:r>
-              <a:rPr lang="en-US" smtClean="0"/>
+              <a:rPr lang="en-US"/>
               <a:t>Click to edit Master title style</a:t>
             </a:r>
             <a:endParaRPr lang="en-US" dirty="0"/>
@@ -1724,7 +1724,7 @@
           <a:p>
             <a:fld id="{97D4CEB5-D715-49F4-8146-54BD8651C3AA}" type="datetimeFigureOut">
               <a:rPr lang="en-AU" smtClean="0"/>
-              <a:t>5/07/2023</a:t>
+              <a:t>26/07/2023</a:t>
             </a:fld>
             <a:endParaRPr lang="en-AU"/>
           </a:p>
@@ -1819,7 +1819,7 @@
           <a:p>
             <a:fld id="{97D4CEB5-D715-49F4-8146-54BD8651C3AA}" type="datetimeFigureOut">
               <a:rPr lang="en-AU" smtClean="0"/>
-              <a:t>5/07/2023</a:t>
+              <a:t>26/07/2023</a:t>
             </a:fld>
             <a:endParaRPr lang="en-AU"/>
           </a:p>
@@ -1922,7 +1922,7 @@
           </a:lstStyle>
           <a:p>
             <a:r>
-              <a:rPr lang="en-US" smtClean="0"/>
+              <a:rPr lang="en-US"/>
               <a:t>Click to edit Master title style</a:t>
             </a:r>
             <a:endParaRPr lang="en-US" dirty="0"/>
@@ -1979,35 +1979,35 @@
           <a:p>
             <a:pPr lvl="0"/>
             <a:r>
-              <a:rPr lang="en-US" smtClean="0"/>
+              <a:rPr lang="en-US"/>
               <a:t>Click to edit Master text styles</a:t>
             </a:r>
           </a:p>
           <a:p>
             <a:pPr lvl="1"/>
             <a:r>
-              <a:rPr lang="en-US" smtClean="0"/>
+              <a:rPr lang="en-US"/>
               <a:t>Second level</a:t>
             </a:r>
           </a:p>
           <a:p>
             <a:pPr lvl="2"/>
             <a:r>
-              <a:rPr lang="en-US" smtClean="0"/>
+              <a:rPr lang="en-US"/>
               <a:t>Third level</a:t>
             </a:r>
           </a:p>
           <a:p>
             <a:pPr lvl="3"/>
             <a:r>
-              <a:rPr lang="en-US" smtClean="0"/>
+              <a:rPr lang="en-US"/>
               <a:t>Fourth level</a:t>
             </a:r>
           </a:p>
           <a:p>
             <a:pPr lvl="4"/>
             <a:r>
-              <a:rPr lang="en-US" smtClean="0"/>
+              <a:rPr lang="en-US"/>
               <a:t>Fifth level</a:t>
             </a:r>
             <a:endParaRPr lang="en-US" dirty="0"/>
@@ -2073,7 +2073,7 @@
           <a:p>
             <a:pPr lvl="0"/>
             <a:r>
-              <a:rPr lang="en-US" smtClean="0"/>
+              <a:rPr lang="en-US"/>
               <a:t>Click to edit Master text styles</a:t>
             </a:r>
           </a:p>
@@ -2096,7 +2096,7 @@
           <a:p>
             <a:fld id="{97D4CEB5-D715-49F4-8146-54BD8651C3AA}" type="datetimeFigureOut">
               <a:rPr lang="en-AU" smtClean="0"/>
-              <a:t>5/07/2023</a:t>
+              <a:t>26/07/2023</a:t>
             </a:fld>
             <a:endParaRPr lang="en-AU"/>
           </a:p>
@@ -2199,7 +2199,7 @@
           </a:lstStyle>
           <a:p>
             <a:r>
-              <a:rPr lang="en-US" smtClean="0"/>
+              <a:rPr lang="en-US"/>
               <a:t>Click to edit Master title style</a:t>
             </a:r>
             <a:endParaRPr lang="en-US" dirty="0"/>
@@ -2264,7 +2264,7 @@
           </a:lstStyle>
           <a:p>
             <a:r>
-              <a:rPr lang="en-US" smtClean="0"/>
+              <a:rPr lang="en-US"/>
               <a:t>Click icon to add picture</a:t>
             </a:r>
             <a:endParaRPr lang="en-US" dirty="0"/>
@@ -2330,7 +2330,7 @@
           <a:p>
             <a:pPr lvl="0"/>
             <a:r>
-              <a:rPr lang="en-US" smtClean="0"/>
+              <a:rPr lang="en-US"/>
               <a:t>Click to edit Master text styles</a:t>
             </a:r>
           </a:p>
@@ -2353,7 +2353,7 @@
           <a:p>
             <a:fld id="{97D4CEB5-D715-49F4-8146-54BD8651C3AA}" type="datetimeFigureOut">
               <a:rPr lang="en-AU" smtClean="0"/>
-              <a:t>5/07/2023</a:t>
+              <a:t>26/07/2023</a:t>
             </a:fld>
             <a:endParaRPr lang="en-AU"/>
           </a:p>
@@ -2462,7 +2462,7 @@
           <a:lstStyle/>
           <a:p>
             <a:r>
-              <a:rPr lang="en-US" smtClean="0"/>
+              <a:rPr lang="en-US"/>
               <a:t>Click to edit Master title style</a:t>
             </a:r>
             <a:endParaRPr lang="en-US" dirty="0"/>
@@ -2496,35 +2496,35 @@
           <a:p>
             <a:pPr lvl="0"/>
             <a:r>
-              <a:rPr lang="en-US" smtClean="0"/>
+              <a:rPr lang="en-US"/>
               <a:t>Click to edit Master text styles</a:t>
             </a:r>
           </a:p>
           <a:p>
             <a:pPr lvl="1"/>
             <a:r>
-              <a:rPr lang="en-US" smtClean="0"/>
+              <a:rPr lang="en-US"/>
               <a:t>Second level</a:t>
             </a:r>
           </a:p>
           <a:p>
             <a:pPr lvl="2"/>
             <a:r>
-              <a:rPr lang="en-US" smtClean="0"/>
+              <a:rPr lang="en-US"/>
               <a:t>Third level</a:t>
             </a:r>
           </a:p>
           <a:p>
             <a:pPr lvl="3"/>
             <a:r>
-              <a:rPr lang="en-US" smtClean="0"/>
+              <a:rPr lang="en-US"/>
               <a:t>Fourth level</a:t>
             </a:r>
           </a:p>
           <a:p>
             <a:pPr lvl="4"/>
             <a:r>
-              <a:rPr lang="en-US" smtClean="0"/>
+              <a:rPr lang="en-US"/>
               <a:t>Fifth level</a:t>
             </a:r>
             <a:endParaRPr lang="en-US" dirty="0"/>
@@ -2566,7 +2566,7 @@
           <a:p>
             <a:fld id="{97D4CEB5-D715-49F4-8146-54BD8651C3AA}" type="datetimeFigureOut">
               <a:rPr lang="en-AU" smtClean="0"/>
-              <a:t>5/07/2023</a:t>
+              <a:t>26/07/2023</a:t>
             </a:fld>
             <a:endParaRPr lang="en-AU"/>
           </a:p>
@@ -3230,7 +3230,7 @@
               <a:lstStyle/>
               <a:p>
                 <a:r>
-                  <a:rPr lang="en-US" sz="3000" b="1" dirty="0" smtClean="0">
+                  <a:rPr lang="en-US" sz="3000" b="1" dirty="0">
                     <a:solidFill>
                       <a:schemeClr val="bg1"/>
                     </a:solidFill>
@@ -3264,7 +3264,7 @@
               <a:lstStyle/>
               <a:p>
                 <a:r>
-                  <a:rPr lang="en-US" sz="1200" b="1" i="1" dirty="0" smtClean="0">
+                  <a:rPr lang="en-US" sz="1200" b="1" i="1" dirty="0">
                     <a:solidFill>
                       <a:schemeClr val="bg1"/>
                     </a:solidFill>
@@ -3709,7 +3709,7 @@
           <a:p>
             <a:pPr algn="ctr"/>
             <a:r>
-              <a:rPr lang="en-US" sz="3600" b="1" dirty="0" smtClean="0">
+              <a:rPr lang="en-US" sz="3600" b="1" dirty="0">
                 <a:solidFill>
                   <a:schemeClr val="bg1"/>
                 </a:solidFill>
@@ -3721,7 +3721,7 @@
           <a:p>
             <a:pPr algn="ctr"/>
             <a:r>
-              <a:rPr lang="en-US" sz="2000" b="1" dirty="0" smtClean="0">
+              <a:rPr lang="en-US" sz="2000" b="1" dirty="0">
                 <a:solidFill>
                   <a:schemeClr val="bg1"/>
                 </a:solidFill>
@@ -3733,7 +3733,7 @@
           <a:p>
             <a:pPr algn="ctr"/>
             <a:r>
-              <a:rPr lang="en-US" sz="2000" b="1" dirty="0" smtClean="0">
+              <a:rPr lang="en-US" sz="2000" b="1" dirty="0">
                 <a:solidFill>
                   <a:schemeClr val="bg1"/>
                 </a:solidFill>
@@ -3742,7 +3742,7 @@
               <a:t> </a:t>
             </a:r>
             <a:r>
-              <a:rPr lang="en-US" sz="3200" b="1" dirty="0" smtClean="0">
+              <a:rPr lang="en-US" sz="3200" b="1" dirty="0">
                 <a:solidFill>
                   <a:schemeClr val="bg1"/>
                 </a:solidFill>
@@ -3778,17 +3778,11 @@
                 </a:solidFill>
                 <a:latin typeface="Oxygen" panose="02000503000000000000" pitchFamily="2" charset="0"/>
               </a:rPr>
-              <a:t>ICSE, CBSE, </a:t>
-            </a:r>
-            <a:r>
-              <a:rPr lang="en-US" sz="1800" b="1" dirty="0" smtClean="0">
-                <a:solidFill>
-                  <a:schemeClr val="bg1"/>
-                </a:solidFill>
-                <a:latin typeface="Oxygen" panose="02000503000000000000" pitchFamily="2" charset="0"/>
-              </a:rPr>
-              <a:t>WB - All </a:t>
-            </a:r>
+              <a:t>ICSE, CBSE, WB - All Subjects</a:t>
+            </a:r>
+          </a:p>
+          <a:p>
+            <a:pPr algn="ctr"/>
             <a:r>
               <a:rPr lang="en-US" sz="1800" b="1" dirty="0">
                 <a:solidFill>
@@ -3796,20 +3790,11 @@
                 </a:solidFill>
                 <a:latin typeface="Oxygen" panose="02000503000000000000" pitchFamily="2" charset="0"/>
               </a:rPr>
-              <a:t>Subjects</a:t>
+              <a:t>IIT, JEE, NEET</a:t>
             </a:r>
           </a:p>
           <a:p>
             <a:pPr algn="ctr"/>
-            <a:r>
-              <a:rPr lang="en-US" sz="1800" b="1" dirty="0" smtClean="0">
-                <a:solidFill>
-                  <a:schemeClr val="bg1"/>
-                </a:solidFill>
-                <a:latin typeface="Oxygen" panose="02000503000000000000" pitchFamily="2" charset="0"/>
-              </a:rPr>
-              <a:t>IIT</a:t>
-            </a:r>
             <a:r>
               <a:rPr lang="en-US" sz="1800" b="1" dirty="0">
                 <a:solidFill>
@@ -3817,23 +3802,8 @@
                 </a:solidFill>
                 <a:latin typeface="Oxygen" panose="02000503000000000000" pitchFamily="2" charset="0"/>
               </a:rPr>
-              <a:t>, </a:t>
-            </a:r>
-            <a:r>
-              <a:rPr lang="en-US" sz="1800" b="1" dirty="0" smtClean="0">
-                <a:solidFill>
-                  <a:schemeClr val="bg1"/>
-                </a:solidFill>
-                <a:latin typeface="Oxygen" panose="02000503000000000000" pitchFamily="2" charset="0"/>
-              </a:rPr>
-              <a:t>JEE, NEET</a:t>
-            </a:r>
-            <a:endParaRPr lang="en-US" sz="1800" b="1" dirty="0">
-              <a:solidFill>
-                <a:schemeClr val="bg1"/>
-              </a:solidFill>
-              <a:latin typeface="Oxygen" panose="02000503000000000000" pitchFamily="2" charset="0"/>
-            </a:endParaRPr>
+              <a:t>Java, Web, Python,  AI</a:t>
+            </a:r>
           </a:p>
           <a:p>
             <a:pPr algn="ctr"/>
@@ -3844,17 +3814,11 @@
                 </a:solidFill>
                 <a:latin typeface="Oxygen" panose="02000503000000000000" pitchFamily="2" charset="0"/>
               </a:rPr>
-              <a:t>Java, </a:t>
-            </a:r>
-            <a:r>
-              <a:rPr lang="en-US" sz="1800" b="1" dirty="0" smtClean="0">
-                <a:solidFill>
-                  <a:schemeClr val="bg1"/>
-                </a:solidFill>
-                <a:latin typeface="Oxygen" panose="02000503000000000000" pitchFamily="2" charset="0"/>
-              </a:rPr>
-              <a:t>Web, </a:t>
-            </a:r>
+              <a:t>IELTS, Grooming, Foreign Languages</a:t>
+            </a:r>
+          </a:p>
+          <a:p>
+            <a:pPr algn="ctr"/>
             <a:r>
               <a:rPr lang="en-US" sz="1800" b="1" dirty="0">
                 <a:solidFill>
@@ -3862,65 +3826,8 @@
                 </a:solidFill>
                 <a:latin typeface="Oxygen" panose="02000503000000000000" pitchFamily="2" charset="0"/>
               </a:rPr>
-              <a:t>Python,  </a:t>
-            </a:r>
-            <a:r>
-              <a:rPr lang="en-US" sz="1800" b="1" dirty="0" smtClean="0">
-                <a:solidFill>
-                  <a:schemeClr val="bg1"/>
-                </a:solidFill>
-                <a:latin typeface="Oxygen" panose="02000503000000000000" pitchFamily="2" charset="0"/>
-              </a:rPr>
-              <a:t>AI</a:t>
-            </a:r>
-          </a:p>
-          <a:p>
-            <a:pPr algn="ctr"/>
-            <a:r>
-              <a:rPr lang="en-US" sz="1800" b="1" dirty="0" smtClean="0">
-                <a:solidFill>
-                  <a:schemeClr val="bg1"/>
-                </a:solidFill>
-                <a:latin typeface="Oxygen" panose="02000503000000000000" pitchFamily="2" charset="0"/>
-              </a:rPr>
-              <a:t>IELTS</a:t>
-            </a:r>
-            <a:r>
-              <a:rPr lang="en-US" sz="1800" b="1" dirty="0">
-                <a:solidFill>
-                  <a:schemeClr val="bg1"/>
-                </a:solidFill>
-                <a:latin typeface="Oxygen" panose="02000503000000000000" pitchFamily="2" charset="0"/>
-              </a:rPr>
-              <a:t>, Grooming, Foreign Languages</a:t>
-            </a:r>
-          </a:p>
-          <a:p>
-            <a:pPr algn="ctr"/>
-            <a:r>
-              <a:rPr lang="en-US" sz="1800" b="1" dirty="0">
-                <a:solidFill>
-                  <a:schemeClr val="bg1"/>
-                </a:solidFill>
-                <a:latin typeface="Oxygen" panose="02000503000000000000" pitchFamily="2" charset="0"/>
-              </a:rPr>
-              <a:t>Co-curricular activities, art, music, </a:t>
-            </a:r>
-            <a:r>
-              <a:rPr lang="en-US" sz="1800" b="1" dirty="0" smtClean="0">
-                <a:solidFill>
-                  <a:schemeClr val="bg1"/>
-                </a:solidFill>
-                <a:latin typeface="Oxygen" panose="02000503000000000000" pitchFamily="2" charset="0"/>
-              </a:rPr>
-              <a:t>dance</a:t>
-            </a:r>
-            <a:endParaRPr lang="en-US" sz="1800" b="1" dirty="0">
-              <a:solidFill>
-                <a:schemeClr val="bg1"/>
-              </a:solidFill>
-              <a:latin typeface="Oxygen" panose="02000503000000000000" pitchFamily="2" charset="0"/>
-            </a:endParaRPr>
+              <a:t>Co-curricular activities, art, music, dance</a:t>
+            </a:r>
           </a:p>
           <a:p>
             <a:pPr marL="285750" indent="-285750">
@@ -3937,7 +3844,7 @@
           <a:p>
             <a:pPr algn="ctr"/>
             <a:r>
-              <a:rPr lang="en-US" sz="1600" b="1" dirty="0" smtClean="0">
+              <a:rPr lang="en-US" sz="1600" b="1" dirty="0">
                 <a:solidFill>
                   <a:schemeClr val="bg1"/>
                 </a:solidFill>
@@ -3949,7 +3856,7 @@
           <a:p>
             <a:pPr algn="ctr"/>
             <a:r>
-              <a:rPr lang="en-US" sz="1600" b="1" dirty="0" smtClean="0">
+              <a:rPr lang="en-US" sz="1600" b="1" dirty="0">
                 <a:solidFill>
                   <a:schemeClr val="bg1"/>
                 </a:solidFill>
@@ -3961,7 +3868,7 @@
           <a:p>
             <a:pPr algn="ctr"/>
             <a:r>
-              <a:rPr lang="en-US" sz="1600" b="1" dirty="0" smtClean="0">
+              <a:rPr lang="en-US" sz="1600" b="1" dirty="0">
                 <a:solidFill>
                   <a:schemeClr val="bg1"/>
                 </a:solidFill>
@@ -3973,7 +3880,7 @@
           <a:p>
             <a:pPr algn="ctr"/>
             <a:r>
-              <a:rPr lang="en-US" sz="1600" b="1" dirty="0" smtClean="0">
+              <a:rPr lang="en-US" sz="1600" b="1" dirty="0">
                 <a:solidFill>
                   <a:schemeClr val="bg1"/>
                 </a:solidFill>
@@ -3983,7 +3890,7 @@
             </a:r>
           </a:p>
           <a:p>
-            <a:endParaRPr lang="en-US" sz="1400" b="1" dirty="0" smtClean="0">
+            <a:endParaRPr lang="en-US" sz="1400" b="1" dirty="0">
               <a:solidFill>
                 <a:schemeClr val="bg1"/>
               </a:solidFill>
@@ -3993,7 +3900,7 @@
           <a:p>
             <a:pPr algn="ctr"/>
             <a:r>
-              <a:rPr lang="en-US" sz="2400" b="1" dirty="0" smtClean="0">
+              <a:rPr lang="en-US" sz="2400" b="1" dirty="0">
                 <a:solidFill>
                   <a:schemeClr val="bg1"/>
                 </a:solidFill>
@@ -4002,7 +3909,7 @@
               <a:t>Please send CV to </a:t>
             </a:r>
             <a:r>
-              <a:rPr lang="en-US" sz="2400" b="1" u="sng" dirty="0" smtClean="0">
+              <a:rPr lang="en-US" sz="2400" b="1" u="sng" dirty="0">
                 <a:solidFill>
                   <a:schemeClr val="bg1"/>
                 </a:solidFill>
@@ -4011,7 +3918,7 @@
               </a:rPr>
               <a:t>anirban@anodiam.com</a:t>
             </a:r>
-            <a:endParaRPr lang="en-US" sz="2400" b="1" u="sng" dirty="0" smtClean="0">
+            <a:endParaRPr lang="en-US" sz="2400" b="1" u="sng" dirty="0">
               <a:solidFill>
                 <a:schemeClr val="bg1"/>
               </a:solidFill>
@@ -4030,22 +3937,13 @@
           <a:p>
             <a:pPr algn="ctr"/>
             <a:r>
-              <a:rPr lang="en-US" sz="2400" b="1" dirty="0" smtClean="0">
-                <a:solidFill>
-                  <a:schemeClr val="bg1"/>
-                </a:solidFill>
-                <a:latin typeface="Oxygen" panose="02000503000000000000" pitchFamily="2" charset="0"/>
-              </a:rPr>
-              <a:t>or </a:t>
-            </a:r>
-            <a:r>
               <a:rPr lang="en-US" sz="2400" b="1" dirty="0">
                 <a:solidFill>
                   <a:schemeClr val="bg1"/>
                 </a:solidFill>
                 <a:latin typeface="Oxygen" panose="02000503000000000000" pitchFamily="2" charset="0"/>
               </a:rPr>
-              <a:t>call 9163685448 / 9073700094</a:t>
+              <a:t>or call  9073700094</a:t>
             </a:r>
             <a:endParaRPr lang="en-AU" sz="2400" b="1" dirty="0">
               <a:solidFill>
@@ -4066,13 +3964,6 @@
   <p:clrMapOvr>
     <a:masterClrMapping/>
   </p:clrMapOvr>
-  <p:timing>
-    <p:tnLst>
-      <p:par>
-        <p:cTn id="1" dur="indefinite" restart="never" nodeType="tmRoot"/>
-      </p:par>
-    </p:tnLst>
-  </p:timing>
 </p:sld>
 </file>
 
